--- a/graphics/pinout/pinout.pptx
+++ b/graphics/pinout/pinout.pptx
@@ -104,6 +104,11 @@
       </a:defRPr>
     </a:lvl9pPr>
   </p:defaultTextStyle>
+  <p:extLst>
+    <p:ext uri="{EFAFB233-063F-42B5-8137-9DF3F51BA10A}">
+      <p15:sldGuideLst xmlns:p15="http://schemas.microsoft.com/office/powerpoint/2012/main"/>
+    </p:ext>
+  </p:extLst>
 </p:presentation>
 </file>
 
@@ -238,7 +243,7 @@
           <a:p>
             <a:fld id="{5169B0FF-CDA1-4BA2-882E-918BF983E683}" type="datetimeFigureOut">
               <a:rPr lang="en-US" smtClean="0"/>
-              <a:t>5/18/2016</a:t>
+              <a:t>9/23/2016</a:t>
             </a:fld>
             <a:endParaRPr lang="en-US"/>
           </a:p>
@@ -408,7 +413,7 @@
           <a:p>
             <a:fld id="{5169B0FF-CDA1-4BA2-882E-918BF983E683}" type="datetimeFigureOut">
               <a:rPr lang="en-US" smtClean="0"/>
-              <a:t>5/18/2016</a:t>
+              <a:t>9/23/2016</a:t>
             </a:fld>
             <a:endParaRPr lang="en-US"/>
           </a:p>
@@ -588,7 +593,7 @@
           <a:p>
             <a:fld id="{5169B0FF-CDA1-4BA2-882E-918BF983E683}" type="datetimeFigureOut">
               <a:rPr lang="en-US" smtClean="0"/>
-              <a:t>5/18/2016</a:t>
+              <a:t>9/23/2016</a:t>
             </a:fld>
             <a:endParaRPr lang="en-US"/>
           </a:p>
@@ -758,7 +763,7 @@
           <a:p>
             <a:fld id="{5169B0FF-CDA1-4BA2-882E-918BF983E683}" type="datetimeFigureOut">
               <a:rPr lang="en-US" smtClean="0"/>
-              <a:t>5/18/2016</a:t>
+              <a:t>9/23/2016</a:t>
             </a:fld>
             <a:endParaRPr lang="en-US"/>
           </a:p>
@@ -1004,7 +1009,7 @@
           <a:p>
             <a:fld id="{5169B0FF-CDA1-4BA2-882E-918BF983E683}" type="datetimeFigureOut">
               <a:rPr lang="en-US" smtClean="0"/>
-              <a:t>5/18/2016</a:t>
+              <a:t>9/23/2016</a:t>
             </a:fld>
             <a:endParaRPr lang="en-US"/>
           </a:p>
@@ -1236,7 +1241,7 @@
           <a:p>
             <a:fld id="{5169B0FF-CDA1-4BA2-882E-918BF983E683}" type="datetimeFigureOut">
               <a:rPr lang="en-US" smtClean="0"/>
-              <a:t>5/18/2016</a:t>
+              <a:t>9/23/2016</a:t>
             </a:fld>
             <a:endParaRPr lang="en-US"/>
           </a:p>
@@ -1603,7 +1608,7 @@
           <a:p>
             <a:fld id="{5169B0FF-CDA1-4BA2-882E-918BF983E683}" type="datetimeFigureOut">
               <a:rPr lang="en-US" smtClean="0"/>
-              <a:t>5/18/2016</a:t>
+              <a:t>9/23/2016</a:t>
             </a:fld>
             <a:endParaRPr lang="en-US"/>
           </a:p>
@@ -1721,7 +1726,7 @@
           <a:p>
             <a:fld id="{5169B0FF-CDA1-4BA2-882E-918BF983E683}" type="datetimeFigureOut">
               <a:rPr lang="en-US" smtClean="0"/>
-              <a:t>5/18/2016</a:t>
+              <a:t>9/23/2016</a:t>
             </a:fld>
             <a:endParaRPr lang="en-US"/>
           </a:p>
@@ -1816,7 +1821,7 @@
           <a:p>
             <a:fld id="{5169B0FF-CDA1-4BA2-882E-918BF983E683}" type="datetimeFigureOut">
               <a:rPr lang="en-US" smtClean="0"/>
-              <a:t>5/18/2016</a:t>
+              <a:t>9/23/2016</a:t>
             </a:fld>
             <a:endParaRPr lang="en-US"/>
           </a:p>
@@ -2093,7 +2098,7 @@
           <a:p>
             <a:fld id="{5169B0FF-CDA1-4BA2-882E-918BF983E683}" type="datetimeFigureOut">
               <a:rPr lang="en-US" smtClean="0"/>
-              <a:t>5/18/2016</a:t>
+              <a:t>9/23/2016</a:t>
             </a:fld>
             <a:endParaRPr lang="en-US"/>
           </a:p>
@@ -2350,7 +2355,7 @@
           <a:p>
             <a:fld id="{5169B0FF-CDA1-4BA2-882E-918BF983E683}" type="datetimeFigureOut">
               <a:rPr lang="en-US" smtClean="0"/>
-              <a:t>5/18/2016</a:t>
+              <a:t>9/23/2016</a:t>
             </a:fld>
             <a:endParaRPr lang="en-US"/>
           </a:p>
@@ -2563,7 +2568,7 @@
           <a:p>
             <a:fld id="{5169B0FF-CDA1-4BA2-882E-918BF983E683}" type="datetimeFigureOut">
               <a:rPr lang="en-US" smtClean="0"/>
-              <a:t>5/18/2016</a:t>
+              <a:t>9/23/2016</a:t>
             </a:fld>
             <a:endParaRPr lang="en-US"/>
           </a:p>
@@ -5479,11 +5484,7 @@
               <a:pPr algn="ctr"/>
               <a:r>
                 <a:rPr lang="en-US" sz="1200" dirty="0" smtClean="0"/>
-                <a:t>ARM SWD Data </a:t>
-              </a:r>
-              <a:r>
-                <a:rPr lang="en-US" sz="1200" dirty="0" smtClean="0"/>
-                <a:t>(For Debugger access)</a:t>
+                <a:t>ARM SWD Data (For Debugger access)</a:t>
               </a:r>
             </a:p>
           </p:txBody>
@@ -6081,7 +6082,6 @@
                 <a:rPr lang="en-US" sz="1200" dirty="0" smtClean="0"/>
                 <a:t>Up to 120mA in total between all pins</a:t>
               </a:r>
-              <a:endParaRPr lang="en-US" sz="1200" dirty="0" smtClean="0"/>
             </a:p>
           </p:txBody>
         </p:sp>
@@ -6128,11 +6128,7 @@
             <a:p>
               <a:r>
                 <a:rPr lang="en-US" sz="1200" dirty="0" smtClean="0"/>
-                <a:t>Max current used w/ </a:t>
-              </a:r>
-              <a:r>
-                <a:rPr lang="en-US" sz="1200" dirty="0" smtClean="0"/>
-                <a:t>µSD card &lt; 250 mA</a:t>
+                <a:t>Max current used w/ µSD card &lt; 250 mA</a:t>
               </a:r>
             </a:p>
           </p:txBody>
@@ -6170,10 +6166,10 @@
             <a:p>
               <a:pPr algn="r"/>
               <a:r>
-                <a:rPr lang="en-US" sz="1050" dirty="0" smtClean="0">
+                <a:rPr lang="en-US" sz="1050" smtClean="0">
                   <a:cs typeface="Arial" panose="020B0604020202020204" pitchFamily="34" charset="0"/>
                 </a:rPr>
-                <a:t>https://openmv.io</a:t>
+                <a:t>http://www.openmv.io</a:t>
               </a:r>
               <a:endParaRPr lang="en-US" sz="1050" dirty="0">
                 <a:cs typeface="Arial" panose="020B0604020202020204" pitchFamily="34" charset="0"/>
